--- a/Slides for Team 2 ver2.pptx
+++ b/Slides for Team 2 ver2.pptx
@@ -205,7 +205,7 @@
           <a:p>
             <a:fld id="{9E46EA33-FFC5-46A9-99E4-673BD5928EB0}" type="datetimeFigureOut">
               <a:rPr lang="en-US" smtClean="0"/>
-              <a:t>3/28/2019</a:t>
+              <a:t>5/8/2019</a:t>
             </a:fld>
             <a:endParaRPr lang="en-US"/>
           </a:p>
@@ -1360,7 +1360,7 @@
           <a:p>
             <a:fld id="{49319A9C-EFEE-4EA2-8B77-76FA7BDEB61E}" type="datetimeFigureOut">
               <a:rPr lang="en-US" smtClean="0"/>
-              <a:t>3/28/2019</a:t>
+              <a:t>5/8/2019</a:t>
             </a:fld>
             <a:endParaRPr lang="en-US"/>
           </a:p>
@@ -1742,7 +1742,7 @@
           <a:p>
             <a:fld id="{49319A9C-EFEE-4EA2-8B77-76FA7BDEB61E}" type="datetimeFigureOut">
               <a:rPr lang="en-US" smtClean="0"/>
-              <a:t>3/28/2019</a:t>
+              <a:t>5/8/2019</a:t>
             </a:fld>
             <a:endParaRPr lang="en-US"/>
           </a:p>
@@ -1922,7 +1922,7 @@
           <a:p>
             <a:fld id="{49319A9C-EFEE-4EA2-8B77-76FA7BDEB61E}" type="datetimeFigureOut">
               <a:rPr lang="en-US" smtClean="0"/>
-              <a:t>3/28/2019</a:t>
+              <a:t>5/8/2019</a:t>
             </a:fld>
             <a:endParaRPr lang="en-US"/>
           </a:p>
@@ -3251,7 +3251,7 @@
           <a:p>
             <a:fld id="{49319A9C-EFEE-4EA2-8B77-76FA7BDEB61E}" type="datetimeFigureOut">
               <a:rPr lang="en-US" smtClean="0"/>
-              <a:t>3/28/2019</a:t>
+              <a:t>5/8/2019</a:t>
             </a:fld>
             <a:endParaRPr lang="en-US"/>
           </a:p>
@@ -3483,7 +3483,7 @@
           <a:p>
             <a:fld id="{49319A9C-EFEE-4EA2-8B77-76FA7BDEB61E}" type="datetimeFigureOut">
               <a:rPr lang="en-US" smtClean="0"/>
-              <a:t>3/28/2019</a:t>
+              <a:t>5/8/2019</a:t>
             </a:fld>
             <a:endParaRPr lang="en-US"/>
           </a:p>
@@ -3850,7 +3850,7 @@
           <a:p>
             <a:fld id="{49319A9C-EFEE-4EA2-8B77-76FA7BDEB61E}" type="datetimeFigureOut">
               <a:rPr lang="en-US" smtClean="0"/>
-              <a:t>3/28/2019</a:t>
+              <a:t>5/8/2019</a:t>
             </a:fld>
             <a:endParaRPr lang="en-US"/>
           </a:p>
@@ -3968,7 +3968,7 @@
           <a:p>
             <a:fld id="{49319A9C-EFEE-4EA2-8B77-76FA7BDEB61E}" type="datetimeFigureOut">
               <a:rPr lang="en-US" smtClean="0"/>
-              <a:t>3/28/2019</a:t>
+              <a:t>5/8/2019</a:t>
             </a:fld>
             <a:endParaRPr lang="en-US"/>
           </a:p>
@@ -4275,7 +4275,7 @@
           <a:p>
             <a:fld id="{49319A9C-EFEE-4EA2-8B77-76FA7BDEB61E}" type="datetimeFigureOut">
               <a:rPr lang="en-US" smtClean="0"/>
-              <a:t>3/28/2019</a:t>
+              <a:t>5/8/2019</a:t>
             </a:fld>
             <a:endParaRPr lang="en-US"/>
           </a:p>
@@ -4532,7 +4532,7 @@
           <a:p>
             <a:fld id="{49319A9C-EFEE-4EA2-8B77-76FA7BDEB61E}" type="datetimeFigureOut">
               <a:rPr lang="en-US" smtClean="0"/>
-              <a:t>3/28/2019</a:t>
+              <a:t>5/8/2019</a:t>
             </a:fld>
             <a:endParaRPr lang="en-US"/>
           </a:p>
@@ -4745,7 +4745,7 @@
           <a:p>
             <a:fld id="{49319A9C-EFEE-4EA2-8B77-76FA7BDEB61E}" type="datetimeFigureOut">
               <a:rPr lang="en-US" smtClean="0"/>
-              <a:t>3/28/2019</a:t>
+              <a:t>5/8/2019</a:t>
             </a:fld>
             <a:endParaRPr lang="en-US"/>
           </a:p>
@@ -5445,7 +5445,15 @@
             </a:pPr>
             <a:r>
               <a:rPr lang="en-US" dirty="0"/>
-              <a:t>Decision Makers within the 480</a:t>
+              <a:t>Decision Makers </a:t>
+            </a:r>
+            <a:r>
+              <a:rPr lang="en-US" dirty="0" smtClean="0"/>
+              <a:t>in </a:t>
+            </a:r>
+            <a:r>
+              <a:rPr lang="en-US" dirty="0"/>
+              <a:t>the 480</a:t>
             </a:r>
             <a:r>
               <a:rPr lang="en-US" baseline="30000" dirty="0"/>
